--- a/Introduction.pptx
+++ b/Introduction.pptx
@@ -6,7 +6,10 @@
   </p:sldMasterIdLst>
   <p:sldIdLst>
     <p:sldId id="256" r:id="rId2"/>
-    <p:sldId id="257" r:id="rId3"/>
+    <p:sldId id="258" r:id="rId3"/>
+    <p:sldId id="257" r:id="rId4"/>
+    <p:sldId id="259" r:id="rId5"/>
+    <p:sldId id="260" r:id="rId6"/>
   </p:sldIdLst>
   <p:sldSz cx="9144000" cy="6858000" type="screen4x3"/>
   <p:notesSz cx="6858000" cy="9144000"/>
@@ -3151,6 +3154,10 @@
           <a:bodyPr/>
           <a:lstStyle/>
           <a:p>
+            <a:r>
+              <a:rPr lang="en-AU" dirty="0" smtClean="0"/>
+              <a:t>Intro</a:t>
+            </a:r>
             <a:endParaRPr lang="en-AU" dirty="0"/>
           </a:p>
         </p:txBody>
@@ -3170,14 +3177,1162 @@
           <a:bodyPr/>
           <a:lstStyle/>
           <a:p>
-            <a:endParaRPr lang="en-AU"/>
-          </a:p>
-        </p:txBody>
-      </p:sp>
+            <a:r>
+              <a:rPr lang="en-AU" dirty="0" smtClean="0"/>
+              <a:t>Dejan</a:t>
+            </a:r>
+          </a:p>
+          <a:p>
+            <a:pPr lvl="1"/>
+            <a:r>
+              <a:rPr lang="en-AU" dirty="0" smtClean="0"/>
+              <a:t>Developer (mostly web)</a:t>
+            </a:r>
+          </a:p>
+          <a:p>
+            <a:pPr lvl="1"/>
+            <a:r>
+              <a:rPr lang="en-AU" dirty="0" smtClean="0"/>
+              <a:t>7+ years experience in Melbourne including Payments, Logistics, Insurance, Law and Education</a:t>
+            </a:r>
+          </a:p>
+          <a:p>
+            <a:r>
+              <a:rPr lang="en-AU" dirty="0" smtClean="0"/>
+              <a:t>Michael</a:t>
+            </a:r>
+          </a:p>
+        </p:txBody>
+      </p:sp>
+    </p:spTree>
+    <p:extLst>
+      <p:ext uri="{BB962C8B-B14F-4D97-AF65-F5344CB8AC3E}">
+        <p14:creationId xmlns:p14="http://schemas.microsoft.com/office/powerpoint/2010/main" val="2725490667"/>
+      </p:ext>
+    </p:extLst>
+  </p:cSld>
+  <p:clrMapOvr>
+    <a:masterClrMapping/>
+  </p:clrMapOvr>
+</p:sld>
+</file>
+
+<file path=ppt/slides/slide3.xml><?xml version="1.0" encoding="utf-8"?>
+<p:sld xmlns:a="http://schemas.openxmlformats.org/drawingml/2006/main" xmlns:r="http://schemas.openxmlformats.org/officeDocument/2006/relationships" xmlns:p="http://schemas.openxmlformats.org/presentationml/2006/main">
+  <p:cSld>
+    <p:spTree>
+      <p:nvGrpSpPr>
+        <p:cNvPr id="1" name=""/>
+        <p:cNvGrpSpPr/>
+        <p:nvPr/>
+      </p:nvGrpSpPr>
+      <p:grpSpPr>
+        <a:xfrm>
+          <a:off x="0" y="0"/>
+          <a:ext cx="0" cy="0"/>
+          <a:chOff x="0" y="0"/>
+          <a:chExt cx="0" cy="0"/>
+        </a:xfrm>
+      </p:grpSpPr>
+      <p:sp>
+        <p:nvSpPr>
+          <p:cNvPr id="2" name="Title 1"/>
+          <p:cNvSpPr>
+            <a:spLocks noGrp="1"/>
+          </p:cNvSpPr>
+          <p:nvPr>
+            <p:ph type="title"/>
+          </p:nvPr>
+        </p:nvSpPr>
+        <p:spPr/>
+        <p:txBody>
+          <a:bodyPr/>
+          <a:lstStyle/>
+          <a:p>
+            <a:r>
+              <a:rPr lang="en-AU" dirty="0" smtClean="0"/>
+              <a:t>Some of our tools</a:t>
+            </a:r>
+            <a:endParaRPr lang="en-AU" dirty="0"/>
+          </a:p>
+        </p:txBody>
+      </p:sp>
+      <p:grpSp>
+        <p:nvGrpSpPr>
+          <p:cNvPr id="5" name="Group 4"/>
+          <p:cNvGrpSpPr/>
+          <p:nvPr/>
+        </p:nvGrpSpPr>
+        <p:grpSpPr>
+          <a:xfrm>
+            <a:off x="2578367" y="5453989"/>
+            <a:ext cx="3612184" cy="781909"/>
+            <a:chOff x="2801234" y="1597411"/>
+            <a:chExt cx="3612184" cy="781909"/>
+          </a:xfrm>
+          <a:effectLst>
+            <a:outerShdw blurRad="63500" sx="102000" sy="102000" algn="ctr" rotWithShape="0">
+              <a:prstClr val="black">
+                <a:alpha val="40000"/>
+              </a:prstClr>
+            </a:outerShdw>
+          </a:effectLst>
+        </p:grpSpPr>
+        <p:pic>
+          <p:nvPicPr>
+            <p:cNvPr id="1026" name="Picture 2"/>
+            <p:cNvPicPr>
+              <a:picLocks noChangeAspect="1" noChangeArrowheads="1"/>
+            </p:cNvPicPr>
+            <p:nvPr/>
+          </p:nvPicPr>
+          <p:blipFill>
+            <a:blip r:embed="rId2">
+              <a:extLst>
+                <a:ext uri="{28A0092B-C50C-407E-A947-70E740481C1C}">
+                  <a14:useLocalDpi xmlns:a14="http://schemas.microsoft.com/office/drawing/2010/main" val="0"/>
+                </a:ext>
+              </a:extLst>
+            </a:blip>
+            <a:srcRect/>
+            <a:stretch>
+              <a:fillRect/>
+            </a:stretch>
+          </p:blipFill>
+          <p:spPr bwMode="auto">
+            <a:xfrm>
+              <a:off x="2801234" y="1645466"/>
+              <a:ext cx="1017639" cy="685800"/>
+            </a:xfrm>
+            <a:prstGeom prst="rect">
+              <a:avLst/>
+            </a:prstGeom>
+            <a:noFill/>
+            <a:ln>
+              <a:noFill/>
+            </a:ln>
+            <a:extLst>
+              <a:ext uri="{909E8E84-426E-40DD-AFC4-6F175D3DCCD1}">
+                <a14:hiddenFill xmlns:a14="http://schemas.microsoft.com/office/drawing/2010/main">
+                  <a:solidFill>
+                    <a:schemeClr val="accent1"/>
+                  </a:solidFill>
+                </a14:hiddenFill>
+              </a:ext>
+              <a:ext uri="{91240B29-F687-4F45-9708-019B960494DF}">
+                <a14:hiddenLine xmlns:a14="http://schemas.microsoft.com/office/drawing/2010/main" w="9525">
+                  <a:solidFill>
+                    <a:schemeClr val="tx1"/>
+                  </a:solidFill>
+                  <a:miter lim="800000"/>
+                  <a:headEnd/>
+                  <a:tailEnd/>
+                </a14:hiddenLine>
+              </a:ext>
+            </a:extLst>
+          </p:spPr>
+        </p:pic>
+        <p:pic>
+          <p:nvPicPr>
+            <p:cNvPr id="1027" name="Picture 3"/>
+            <p:cNvPicPr>
+              <a:picLocks noChangeAspect="1" noChangeArrowheads="1"/>
+            </p:cNvPicPr>
+            <p:nvPr/>
+          </p:nvPicPr>
+          <p:blipFill>
+            <a:blip r:embed="rId3">
+              <a:extLst>
+                <a:ext uri="{28A0092B-C50C-407E-A947-70E740481C1C}">
+                  <a14:useLocalDpi xmlns:a14="http://schemas.microsoft.com/office/drawing/2010/main" val="0"/>
+                </a:ext>
+              </a:extLst>
+            </a:blip>
+            <a:srcRect/>
+            <a:stretch>
+              <a:fillRect/>
+            </a:stretch>
+          </p:blipFill>
+          <p:spPr bwMode="auto">
+            <a:xfrm>
+              <a:off x="4648200" y="1597411"/>
+              <a:ext cx="1765218" cy="781909"/>
+            </a:xfrm>
+            <a:prstGeom prst="rect">
+              <a:avLst/>
+            </a:prstGeom>
+            <a:noFill/>
+            <a:ln>
+              <a:noFill/>
+            </a:ln>
+            <a:extLst>
+              <a:ext uri="{909E8E84-426E-40DD-AFC4-6F175D3DCCD1}">
+                <a14:hiddenFill xmlns:a14="http://schemas.microsoft.com/office/drawing/2010/main">
+                  <a:solidFill>
+                    <a:schemeClr val="accent1"/>
+                  </a:solidFill>
+                </a14:hiddenFill>
+              </a:ext>
+              <a:ext uri="{91240B29-F687-4F45-9708-019B960494DF}">
+                <a14:hiddenLine xmlns:a14="http://schemas.microsoft.com/office/drawing/2010/main" w="9525">
+                  <a:solidFill>
+                    <a:schemeClr val="tx1"/>
+                  </a:solidFill>
+                  <a:miter lim="800000"/>
+                  <a:headEnd/>
+                  <a:tailEnd/>
+                </a14:hiddenLine>
+              </a:ext>
+            </a:extLst>
+          </p:spPr>
+        </p:pic>
+      </p:grpSp>
+      <p:pic>
+        <p:nvPicPr>
+          <p:cNvPr id="1028" name="Picture 4"/>
+          <p:cNvPicPr>
+            <a:picLocks noChangeAspect="1" noChangeArrowheads="1"/>
+          </p:cNvPicPr>
+          <p:nvPr/>
+        </p:nvPicPr>
+        <p:blipFill>
+          <a:blip r:embed="rId4">
+            <a:extLst>
+              <a:ext uri="{28A0092B-C50C-407E-A947-70E740481C1C}">
+                <a14:useLocalDpi xmlns:a14="http://schemas.microsoft.com/office/drawing/2010/main" val="0"/>
+              </a:ext>
+            </a:extLst>
+          </a:blip>
+          <a:srcRect/>
+          <a:stretch>
+            <a:fillRect/>
+          </a:stretch>
+        </p:blipFill>
+        <p:spPr bwMode="auto">
+          <a:xfrm>
+            <a:off x="968298" y="1524000"/>
+            <a:ext cx="1362075" cy="1009650"/>
+          </a:xfrm>
+          <a:prstGeom prst="rect">
+            <a:avLst/>
+          </a:prstGeom>
+          <a:noFill/>
+          <a:ln>
+            <a:noFill/>
+          </a:ln>
+          <a:extLst>
+            <a:ext uri="{909E8E84-426E-40DD-AFC4-6F175D3DCCD1}">
+              <a14:hiddenFill xmlns:a14="http://schemas.microsoft.com/office/drawing/2010/main">
+                <a:solidFill>
+                  <a:schemeClr val="accent1"/>
+                </a:solidFill>
+              </a14:hiddenFill>
+            </a:ext>
+            <a:ext uri="{91240B29-F687-4F45-9708-019B960494DF}">
+              <a14:hiddenLine xmlns:a14="http://schemas.microsoft.com/office/drawing/2010/main" w="9525">
+                <a:solidFill>
+                  <a:schemeClr val="tx1"/>
+                </a:solidFill>
+                <a:miter lim="800000"/>
+                <a:headEnd/>
+                <a:tailEnd/>
+              </a14:hiddenLine>
+            </a:ext>
+          </a:extLst>
+        </p:spPr>
+      </p:pic>
+      <p:pic>
+        <p:nvPicPr>
+          <p:cNvPr id="1029" name="Picture 5"/>
+          <p:cNvPicPr>
+            <a:picLocks noChangeAspect="1" noChangeArrowheads="1"/>
+          </p:cNvPicPr>
+          <p:nvPr/>
+        </p:nvPicPr>
+        <p:blipFill>
+          <a:blip r:embed="rId5">
+            <a:extLst>
+              <a:ext uri="{28A0092B-C50C-407E-A947-70E740481C1C}">
+                <a14:useLocalDpi xmlns:a14="http://schemas.microsoft.com/office/drawing/2010/main" val="0"/>
+              </a:ext>
+            </a:extLst>
+          </a:blip>
+          <a:srcRect/>
+          <a:stretch>
+            <a:fillRect/>
+          </a:stretch>
+        </p:blipFill>
+        <p:spPr bwMode="auto">
+          <a:xfrm>
+            <a:off x="5715000" y="4126763"/>
+            <a:ext cx="3105150" cy="790575"/>
+          </a:xfrm>
+          <a:prstGeom prst="rect">
+            <a:avLst/>
+          </a:prstGeom>
+          <a:noFill/>
+          <a:ln>
+            <a:noFill/>
+          </a:ln>
+          <a:extLst>
+            <a:ext uri="{909E8E84-426E-40DD-AFC4-6F175D3DCCD1}">
+              <a14:hiddenFill xmlns:a14="http://schemas.microsoft.com/office/drawing/2010/main">
+                <a:solidFill>
+                  <a:schemeClr val="accent1"/>
+                </a:solidFill>
+              </a14:hiddenFill>
+            </a:ext>
+            <a:ext uri="{91240B29-F687-4F45-9708-019B960494DF}">
+              <a14:hiddenLine xmlns:a14="http://schemas.microsoft.com/office/drawing/2010/main" w="9525">
+                <a:solidFill>
+                  <a:schemeClr val="tx1"/>
+                </a:solidFill>
+                <a:miter lim="800000"/>
+                <a:headEnd/>
+                <a:tailEnd/>
+              </a14:hiddenLine>
+            </a:ext>
+          </a:extLst>
+        </p:spPr>
+      </p:pic>
+      <p:pic>
+        <p:nvPicPr>
+          <p:cNvPr id="1030" name="Picture 6"/>
+          <p:cNvPicPr>
+            <a:picLocks noChangeAspect="1" noChangeArrowheads="1"/>
+          </p:cNvPicPr>
+          <p:nvPr/>
+        </p:nvPicPr>
+        <p:blipFill>
+          <a:blip r:embed="rId6">
+            <a:extLst>
+              <a:ext uri="{28A0092B-C50C-407E-A947-70E740481C1C}">
+                <a14:useLocalDpi xmlns:a14="http://schemas.microsoft.com/office/drawing/2010/main" val="0"/>
+              </a:ext>
+            </a:extLst>
+          </a:blip>
+          <a:srcRect/>
+          <a:stretch>
+            <a:fillRect/>
+          </a:stretch>
+        </p:blipFill>
+        <p:spPr bwMode="auto">
+          <a:xfrm>
+            <a:off x="2565218" y="2627854"/>
+            <a:ext cx="4229100" cy="1285875"/>
+          </a:xfrm>
+          <a:prstGeom prst="rect">
+            <a:avLst/>
+          </a:prstGeom>
+          <a:noFill/>
+          <a:ln>
+            <a:noFill/>
+          </a:ln>
+          <a:extLst>
+            <a:ext uri="{909E8E84-426E-40DD-AFC4-6F175D3DCCD1}">
+              <a14:hiddenFill xmlns:a14="http://schemas.microsoft.com/office/drawing/2010/main">
+                <a:solidFill>
+                  <a:schemeClr val="accent1"/>
+                </a:solidFill>
+              </a14:hiddenFill>
+            </a:ext>
+            <a:ext uri="{91240B29-F687-4F45-9708-019B960494DF}">
+              <a14:hiddenLine xmlns:a14="http://schemas.microsoft.com/office/drawing/2010/main" w="9525">
+                <a:solidFill>
+                  <a:schemeClr val="tx1"/>
+                </a:solidFill>
+                <a:miter lim="800000"/>
+                <a:headEnd/>
+                <a:tailEnd/>
+              </a14:hiddenLine>
+            </a:ext>
+          </a:extLst>
+        </p:spPr>
+      </p:pic>
+      <p:pic>
+        <p:nvPicPr>
+          <p:cNvPr id="1031" name="Picture 7"/>
+          <p:cNvPicPr>
+            <a:picLocks noChangeAspect="1" noChangeArrowheads="1"/>
+          </p:cNvPicPr>
+          <p:nvPr/>
+        </p:nvPicPr>
+        <p:blipFill>
+          <a:blip r:embed="rId7">
+            <a:extLst>
+              <a:ext uri="{28A0092B-C50C-407E-A947-70E740481C1C}">
+                <a14:useLocalDpi xmlns:a14="http://schemas.microsoft.com/office/drawing/2010/main" val="0"/>
+              </a:ext>
+            </a:extLst>
+          </a:blip>
+          <a:srcRect/>
+          <a:stretch>
+            <a:fillRect/>
+          </a:stretch>
+        </p:blipFill>
+        <p:spPr bwMode="auto">
+          <a:xfrm>
+            <a:off x="2831257" y="4087501"/>
+            <a:ext cx="2781300" cy="914400"/>
+          </a:xfrm>
+          <a:prstGeom prst="rect">
+            <a:avLst/>
+          </a:prstGeom>
+          <a:noFill/>
+          <a:ln>
+            <a:noFill/>
+          </a:ln>
+          <a:extLst>
+            <a:ext uri="{909E8E84-426E-40DD-AFC4-6F175D3DCCD1}">
+              <a14:hiddenFill xmlns:a14="http://schemas.microsoft.com/office/drawing/2010/main">
+                <a:solidFill>
+                  <a:schemeClr val="accent1"/>
+                </a:solidFill>
+              </a14:hiddenFill>
+            </a:ext>
+            <a:ext uri="{91240B29-F687-4F45-9708-019B960494DF}">
+              <a14:hiddenLine xmlns:a14="http://schemas.microsoft.com/office/drawing/2010/main" w="9525">
+                <a:solidFill>
+                  <a:schemeClr val="tx1"/>
+                </a:solidFill>
+                <a:miter lim="800000"/>
+                <a:headEnd/>
+                <a:tailEnd/>
+              </a14:hiddenLine>
+            </a:ext>
+          </a:extLst>
+        </p:spPr>
+      </p:pic>
+      <p:pic>
+        <p:nvPicPr>
+          <p:cNvPr id="1032" name="Picture 8"/>
+          <p:cNvPicPr>
+            <a:picLocks noChangeAspect="1" noChangeArrowheads="1"/>
+          </p:cNvPicPr>
+          <p:nvPr/>
+        </p:nvPicPr>
+        <p:blipFill>
+          <a:blip r:embed="rId8">
+            <a:extLst>
+              <a:ext uri="{28A0092B-C50C-407E-A947-70E740481C1C}">
+                <a14:useLocalDpi xmlns:a14="http://schemas.microsoft.com/office/drawing/2010/main" val="0"/>
+              </a:ext>
+            </a:extLst>
+          </a:blip>
+          <a:srcRect/>
+          <a:stretch>
+            <a:fillRect/>
+          </a:stretch>
+        </p:blipFill>
+        <p:spPr bwMode="auto">
+          <a:xfrm>
+            <a:off x="357420" y="4266201"/>
+            <a:ext cx="1800225" cy="1676400"/>
+          </a:xfrm>
+          <a:prstGeom prst="rect">
+            <a:avLst/>
+          </a:prstGeom>
+          <a:noFill/>
+          <a:ln>
+            <a:noFill/>
+          </a:ln>
+          <a:extLst>
+            <a:ext uri="{909E8E84-426E-40DD-AFC4-6F175D3DCCD1}">
+              <a14:hiddenFill xmlns:a14="http://schemas.microsoft.com/office/drawing/2010/main">
+                <a:solidFill>
+                  <a:schemeClr val="accent1"/>
+                </a:solidFill>
+              </a14:hiddenFill>
+            </a:ext>
+            <a:ext uri="{91240B29-F687-4F45-9708-019B960494DF}">
+              <a14:hiddenLine xmlns:a14="http://schemas.microsoft.com/office/drawing/2010/main" w="9525">
+                <a:solidFill>
+                  <a:schemeClr val="tx1"/>
+                </a:solidFill>
+                <a:miter lim="800000"/>
+                <a:headEnd/>
+                <a:tailEnd/>
+              </a14:hiddenLine>
+            </a:ext>
+          </a:extLst>
+        </p:spPr>
+      </p:pic>
+      <p:pic>
+        <p:nvPicPr>
+          <p:cNvPr id="1033" name="Picture 9"/>
+          <p:cNvPicPr>
+            <a:picLocks noChangeAspect="1" noChangeArrowheads="1"/>
+          </p:cNvPicPr>
+          <p:nvPr/>
+        </p:nvPicPr>
+        <p:blipFill>
+          <a:blip r:embed="rId9">
+            <a:extLst>
+              <a:ext uri="{28A0092B-C50C-407E-A947-70E740481C1C}">
+                <a14:useLocalDpi xmlns:a14="http://schemas.microsoft.com/office/drawing/2010/main" val="0"/>
+              </a:ext>
+            </a:extLst>
+          </a:blip>
+          <a:srcRect/>
+          <a:stretch>
+            <a:fillRect/>
+          </a:stretch>
+        </p:blipFill>
+        <p:spPr bwMode="auto">
+          <a:xfrm>
+            <a:off x="357420" y="3088771"/>
+            <a:ext cx="2171700" cy="828675"/>
+          </a:xfrm>
+          <a:prstGeom prst="rect">
+            <a:avLst/>
+          </a:prstGeom>
+          <a:noFill/>
+          <a:ln>
+            <a:noFill/>
+          </a:ln>
+          <a:extLst>
+            <a:ext uri="{909E8E84-426E-40DD-AFC4-6F175D3DCCD1}">
+              <a14:hiddenFill xmlns:a14="http://schemas.microsoft.com/office/drawing/2010/main">
+                <a:solidFill>
+                  <a:schemeClr val="accent1"/>
+                </a:solidFill>
+              </a14:hiddenFill>
+            </a:ext>
+            <a:ext uri="{91240B29-F687-4F45-9708-019B960494DF}">
+              <a14:hiddenLine xmlns:a14="http://schemas.microsoft.com/office/drawing/2010/main" w="9525">
+                <a:solidFill>
+                  <a:schemeClr val="tx1"/>
+                </a:solidFill>
+                <a:miter lim="800000"/>
+                <a:headEnd/>
+                <a:tailEnd/>
+              </a14:hiddenLine>
+            </a:ext>
+          </a:extLst>
+        </p:spPr>
+      </p:pic>
+      <p:pic>
+        <p:nvPicPr>
+          <p:cNvPr id="1034" name="Picture 10"/>
+          <p:cNvPicPr>
+            <a:picLocks noChangeAspect="1" noChangeArrowheads="1"/>
+          </p:cNvPicPr>
+          <p:nvPr/>
+        </p:nvPicPr>
+        <p:blipFill>
+          <a:blip r:embed="rId10">
+            <a:extLst>
+              <a:ext uri="{28A0092B-C50C-407E-A947-70E740481C1C}">
+                <a14:useLocalDpi xmlns:a14="http://schemas.microsoft.com/office/drawing/2010/main" val="0"/>
+              </a:ext>
+            </a:extLst>
+          </a:blip>
+          <a:srcRect/>
+          <a:stretch>
+            <a:fillRect/>
+          </a:stretch>
+        </p:blipFill>
+        <p:spPr bwMode="auto">
+          <a:xfrm>
+            <a:off x="3174947" y="1273968"/>
+            <a:ext cx="2437610" cy="1509713"/>
+          </a:xfrm>
+          <a:prstGeom prst="rect">
+            <a:avLst/>
+          </a:prstGeom>
+          <a:noFill/>
+          <a:ln>
+            <a:noFill/>
+          </a:ln>
+          <a:extLst>
+            <a:ext uri="{909E8E84-426E-40DD-AFC4-6F175D3DCCD1}">
+              <a14:hiddenFill xmlns:a14="http://schemas.microsoft.com/office/drawing/2010/main">
+                <a:solidFill>
+                  <a:schemeClr val="accent1"/>
+                </a:solidFill>
+              </a14:hiddenFill>
+            </a:ext>
+            <a:ext uri="{91240B29-F687-4F45-9708-019B960494DF}">
+              <a14:hiddenLine xmlns:a14="http://schemas.microsoft.com/office/drawing/2010/main" w="9525">
+                <a:solidFill>
+                  <a:schemeClr val="tx1"/>
+                </a:solidFill>
+                <a:miter lim="800000"/>
+                <a:headEnd/>
+                <a:tailEnd/>
+              </a14:hiddenLine>
+            </a:ext>
+          </a:extLst>
+        </p:spPr>
+      </p:pic>
+      <p:pic>
+        <p:nvPicPr>
+          <p:cNvPr id="1035" name="Picture 11"/>
+          <p:cNvPicPr>
+            <a:picLocks noChangeAspect="1" noChangeArrowheads="1"/>
+          </p:cNvPicPr>
+          <p:nvPr/>
+        </p:nvPicPr>
+        <p:blipFill>
+          <a:blip r:embed="rId11">
+            <a:extLst>
+              <a:ext uri="{28A0092B-C50C-407E-A947-70E740481C1C}">
+                <a14:useLocalDpi xmlns:a14="http://schemas.microsoft.com/office/drawing/2010/main" val="0"/>
+              </a:ext>
+            </a:extLst>
+          </a:blip>
+          <a:srcRect/>
+          <a:stretch>
+            <a:fillRect/>
+          </a:stretch>
+        </p:blipFill>
+        <p:spPr bwMode="auto">
+          <a:xfrm>
+            <a:off x="7696200" y="5077169"/>
+            <a:ext cx="971550" cy="942975"/>
+          </a:xfrm>
+          <a:prstGeom prst="rect">
+            <a:avLst/>
+          </a:prstGeom>
+          <a:noFill/>
+          <a:ln>
+            <a:noFill/>
+          </a:ln>
+          <a:extLst>
+            <a:ext uri="{909E8E84-426E-40DD-AFC4-6F175D3DCCD1}">
+              <a14:hiddenFill xmlns:a14="http://schemas.microsoft.com/office/drawing/2010/main">
+                <a:solidFill>
+                  <a:schemeClr val="accent1"/>
+                </a:solidFill>
+              </a14:hiddenFill>
+            </a:ext>
+            <a:ext uri="{91240B29-F687-4F45-9708-019B960494DF}">
+              <a14:hiddenLine xmlns:a14="http://schemas.microsoft.com/office/drawing/2010/main" w="9525">
+                <a:solidFill>
+                  <a:schemeClr val="tx1"/>
+                </a:solidFill>
+                <a:miter lim="800000"/>
+                <a:headEnd/>
+                <a:tailEnd/>
+              </a14:hiddenLine>
+            </a:ext>
+          </a:extLst>
+        </p:spPr>
+      </p:pic>
+      <p:pic>
+        <p:nvPicPr>
+          <p:cNvPr id="1036" name="Picture 12"/>
+          <p:cNvPicPr>
+            <a:picLocks noChangeAspect="1" noChangeArrowheads="1"/>
+          </p:cNvPicPr>
+          <p:nvPr/>
+        </p:nvPicPr>
+        <p:blipFill>
+          <a:blip r:embed="rId12">
+            <a:extLst>
+              <a:ext uri="{28A0092B-C50C-407E-A947-70E740481C1C}">
+                <a14:useLocalDpi xmlns:a14="http://schemas.microsoft.com/office/drawing/2010/main" val="0"/>
+              </a:ext>
+            </a:extLst>
+          </a:blip>
+          <a:srcRect/>
+          <a:stretch>
+            <a:fillRect/>
+          </a:stretch>
+        </p:blipFill>
+        <p:spPr bwMode="auto">
+          <a:xfrm>
+            <a:off x="7172953" y="1445650"/>
+            <a:ext cx="1472495" cy="1147762"/>
+          </a:xfrm>
+          <a:prstGeom prst="rect">
+            <a:avLst/>
+          </a:prstGeom>
+          <a:noFill/>
+          <a:ln>
+            <a:noFill/>
+          </a:ln>
+          <a:extLst>
+            <a:ext uri="{909E8E84-426E-40DD-AFC4-6F175D3DCCD1}">
+              <a14:hiddenFill xmlns:a14="http://schemas.microsoft.com/office/drawing/2010/main">
+                <a:solidFill>
+                  <a:schemeClr val="accent1"/>
+                </a:solidFill>
+              </a14:hiddenFill>
+            </a:ext>
+            <a:ext uri="{91240B29-F687-4F45-9708-019B960494DF}">
+              <a14:hiddenLine xmlns:a14="http://schemas.microsoft.com/office/drawing/2010/main" w="9525">
+                <a:solidFill>
+                  <a:schemeClr val="tx1"/>
+                </a:solidFill>
+                <a:miter lim="800000"/>
+                <a:headEnd/>
+                <a:tailEnd/>
+              </a14:hiddenLine>
+            </a:ext>
+          </a:extLst>
+        </p:spPr>
+      </p:pic>
+      <p:pic>
+        <p:nvPicPr>
+          <p:cNvPr id="1037" name="Picture 13"/>
+          <p:cNvPicPr>
+            <a:picLocks noChangeAspect="1" noChangeArrowheads="1"/>
+          </p:cNvPicPr>
+          <p:nvPr/>
+        </p:nvPicPr>
+        <p:blipFill>
+          <a:blip r:embed="rId13" cstate="print">
+            <a:extLst>
+              <a:ext uri="{28A0092B-C50C-407E-A947-70E740481C1C}">
+                <a14:useLocalDpi xmlns:a14="http://schemas.microsoft.com/office/drawing/2010/main" val="0"/>
+              </a:ext>
+            </a:extLst>
+          </a:blip>
+          <a:srcRect/>
+          <a:stretch>
+            <a:fillRect/>
+          </a:stretch>
+        </p:blipFill>
+        <p:spPr bwMode="auto">
+          <a:xfrm>
+            <a:off x="6751255" y="5130081"/>
+            <a:ext cx="817125" cy="837153"/>
+          </a:xfrm>
+          <a:prstGeom prst="rect">
+            <a:avLst/>
+          </a:prstGeom>
+          <a:noFill/>
+          <a:ln>
+            <a:noFill/>
+          </a:ln>
+          <a:extLst>
+            <a:ext uri="{909E8E84-426E-40DD-AFC4-6F175D3DCCD1}">
+              <a14:hiddenFill xmlns:a14="http://schemas.microsoft.com/office/drawing/2010/main">
+                <a:solidFill>
+                  <a:schemeClr val="accent1"/>
+                </a:solidFill>
+              </a14:hiddenFill>
+            </a:ext>
+            <a:ext uri="{91240B29-F687-4F45-9708-019B960494DF}">
+              <a14:hiddenLine xmlns:a14="http://schemas.microsoft.com/office/drawing/2010/main" w="9525">
+                <a:solidFill>
+                  <a:schemeClr val="tx1"/>
+                </a:solidFill>
+                <a:miter lim="800000"/>
+                <a:headEnd/>
+                <a:tailEnd/>
+              </a14:hiddenLine>
+            </a:ext>
+          </a:extLst>
+        </p:spPr>
+      </p:pic>
+      <p:pic>
+        <p:nvPicPr>
+          <p:cNvPr id="1038" name="Picture 14"/>
+          <p:cNvPicPr>
+            <a:picLocks noChangeAspect="1" noChangeArrowheads="1"/>
+          </p:cNvPicPr>
+          <p:nvPr/>
+        </p:nvPicPr>
+        <p:blipFill>
+          <a:blip r:embed="rId14">
+            <a:extLst>
+              <a:ext uri="{28A0092B-C50C-407E-A947-70E740481C1C}">
+                <a14:useLocalDpi xmlns:a14="http://schemas.microsoft.com/office/drawing/2010/main" val="0"/>
+              </a:ext>
+            </a:extLst>
+          </a:blip>
+          <a:srcRect/>
+          <a:stretch>
+            <a:fillRect/>
+          </a:stretch>
+        </p:blipFill>
+        <p:spPr bwMode="auto">
+          <a:xfrm>
+            <a:off x="7032238" y="2740912"/>
+            <a:ext cx="2076450" cy="695718"/>
+          </a:xfrm>
+          <a:prstGeom prst="rect">
+            <a:avLst/>
+          </a:prstGeom>
+          <a:noFill/>
+          <a:ln>
+            <a:noFill/>
+          </a:ln>
+          <a:extLst>
+            <a:ext uri="{909E8E84-426E-40DD-AFC4-6F175D3DCCD1}">
+              <a14:hiddenFill xmlns:a14="http://schemas.microsoft.com/office/drawing/2010/main">
+                <a:solidFill>
+                  <a:schemeClr val="accent1"/>
+                </a:solidFill>
+              </a14:hiddenFill>
+            </a:ext>
+            <a:ext uri="{91240B29-F687-4F45-9708-019B960494DF}">
+              <a14:hiddenLine xmlns:a14="http://schemas.microsoft.com/office/drawing/2010/main" w="9525">
+                <a:solidFill>
+                  <a:schemeClr val="tx1"/>
+                </a:solidFill>
+                <a:miter lim="800000"/>
+                <a:headEnd/>
+                <a:tailEnd/>
+              </a14:hiddenLine>
+            </a:ext>
+          </a:extLst>
+        </p:spPr>
+      </p:pic>
+      <p:pic>
+        <p:nvPicPr>
+          <p:cNvPr id="1039" name="Picture 15"/>
+          <p:cNvPicPr>
+            <a:picLocks noChangeAspect="1" noChangeArrowheads="1"/>
+          </p:cNvPicPr>
+          <p:nvPr/>
+        </p:nvPicPr>
+        <p:blipFill>
+          <a:blip r:embed="rId15">
+            <a:extLst>
+              <a:ext uri="{28A0092B-C50C-407E-A947-70E740481C1C}">
+                <a14:useLocalDpi xmlns:a14="http://schemas.microsoft.com/office/drawing/2010/main" val="0"/>
+              </a:ext>
+            </a:extLst>
+          </a:blip>
+          <a:srcRect/>
+          <a:stretch>
+            <a:fillRect/>
+          </a:stretch>
+        </p:blipFill>
+        <p:spPr bwMode="auto">
+          <a:xfrm>
+            <a:off x="6938962" y="6187844"/>
+            <a:ext cx="1514475" cy="571500"/>
+          </a:xfrm>
+          <a:prstGeom prst="rect">
+            <a:avLst/>
+          </a:prstGeom>
+          <a:noFill/>
+          <a:ln>
+            <a:noFill/>
+          </a:ln>
+          <a:extLst>
+            <a:ext uri="{909E8E84-426E-40DD-AFC4-6F175D3DCCD1}">
+              <a14:hiddenFill xmlns:a14="http://schemas.microsoft.com/office/drawing/2010/main">
+                <a:solidFill>
+                  <a:schemeClr val="accent1"/>
+                </a:solidFill>
+              </a14:hiddenFill>
+            </a:ext>
+            <a:ext uri="{91240B29-F687-4F45-9708-019B960494DF}">
+              <a14:hiddenLine xmlns:a14="http://schemas.microsoft.com/office/drawing/2010/main" w="9525">
+                <a:solidFill>
+                  <a:schemeClr val="tx1"/>
+                </a:solidFill>
+                <a:miter lim="800000"/>
+                <a:headEnd/>
+                <a:tailEnd/>
+              </a14:hiddenLine>
+            </a:ext>
+          </a:extLst>
+        </p:spPr>
+      </p:pic>
     </p:spTree>
     <p:extLst>
       <p:ext uri="{BB962C8B-B14F-4D97-AF65-F5344CB8AC3E}">
         <p14:creationId xmlns:p14="http://schemas.microsoft.com/office/powerpoint/2010/main" val="998122187"/>
+      </p:ext>
+    </p:extLst>
+  </p:cSld>
+  <p:clrMapOvr>
+    <a:masterClrMapping/>
+  </p:clrMapOvr>
+</p:sld>
+</file>
+
+<file path=ppt/slides/slide4.xml><?xml version="1.0" encoding="utf-8"?>
+<p:sld xmlns:a="http://schemas.openxmlformats.org/drawingml/2006/main" xmlns:r="http://schemas.openxmlformats.org/officeDocument/2006/relationships" xmlns:p="http://schemas.openxmlformats.org/presentationml/2006/main">
+  <p:cSld>
+    <p:spTree>
+      <p:nvGrpSpPr>
+        <p:cNvPr id="1" name=""/>
+        <p:cNvGrpSpPr/>
+        <p:nvPr/>
+      </p:nvGrpSpPr>
+      <p:grpSpPr>
+        <a:xfrm>
+          <a:off x="0" y="0"/>
+          <a:ext cx="0" cy="0"/>
+          <a:chOff x="0" y="0"/>
+          <a:chExt cx="0" cy="0"/>
+        </a:xfrm>
+      </p:grpSpPr>
+      <p:sp>
+        <p:nvSpPr>
+          <p:cNvPr id="2" name="Title 1"/>
+          <p:cNvSpPr>
+            <a:spLocks noGrp="1"/>
+          </p:cNvSpPr>
+          <p:nvPr>
+            <p:ph type="title"/>
+          </p:nvPr>
+        </p:nvSpPr>
+        <p:spPr/>
+        <p:txBody>
+          <a:bodyPr/>
+          <a:lstStyle/>
+          <a:p>
+            <a:r>
+              <a:rPr lang="en-AU" dirty="0" smtClean="0"/>
+              <a:t>Languages</a:t>
+            </a:r>
+            <a:endParaRPr lang="en-AU" dirty="0"/>
+          </a:p>
+        </p:txBody>
+      </p:sp>
+      <p:sp>
+        <p:nvSpPr>
+          <p:cNvPr id="3" name="Content Placeholder 2"/>
+          <p:cNvSpPr>
+            <a:spLocks noGrp="1"/>
+          </p:cNvSpPr>
+          <p:nvPr>
+            <p:ph idx="1"/>
+          </p:nvPr>
+        </p:nvSpPr>
+        <p:spPr/>
+        <p:txBody>
+          <a:bodyPr/>
+          <a:lstStyle/>
+          <a:p>
+            <a:r>
+              <a:rPr lang="en-AU" dirty="0" smtClean="0"/>
+              <a:t>C#</a:t>
+            </a:r>
+          </a:p>
+          <a:p>
+            <a:r>
+              <a:rPr lang="en-AU" dirty="0" smtClean="0"/>
+              <a:t>SQL</a:t>
+            </a:r>
+          </a:p>
+          <a:p>
+            <a:r>
+              <a:rPr lang="en-AU" dirty="0" smtClean="0"/>
+              <a:t>JavaScript + CSS + HTML</a:t>
+            </a:r>
+          </a:p>
+          <a:p>
+            <a:r>
+              <a:rPr lang="en-AU" dirty="0" smtClean="0"/>
+              <a:t>PowerShell</a:t>
+            </a:r>
+          </a:p>
+          <a:p>
+            <a:r>
+              <a:rPr lang="en-AU" dirty="0" smtClean="0"/>
+              <a:t>Ruby (chef)</a:t>
+            </a:r>
+          </a:p>
+          <a:p>
+            <a:endParaRPr lang="en-AU" dirty="0" smtClean="0"/>
+          </a:p>
+          <a:p>
+            <a:endParaRPr lang="en-AU" dirty="0" smtClean="0"/>
+          </a:p>
+        </p:txBody>
+      </p:sp>
+    </p:spTree>
+    <p:extLst>
+      <p:ext uri="{BB962C8B-B14F-4D97-AF65-F5344CB8AC3E}">
+        <p14:creationId xmlns:p14="http://schemas.microsoft.com/office/powerpoint/2010/main" val="1849727439"/>
+      </p:ext>
+    </p:extLst>
+  </p:cSld>
+  <p:clrMapOvr>
+    <a:masterClrMapping/>
+  </p:clrMapOvr>
+</p:sld>
+</file>
+
+<file path=ppt/slides/slide5.xml><?xml version="1.0" encoding="utf-8"?>
+<p:sld xmlns:a="http://schemas.openxmlformats.org/drawingml/2006/main" xmlns:r="http://schemas.openxmlformats.org/officeDocument/2006/relationships" xmlns:p="http://schemas.openxmlformats.org/presentationml/2006/main">
+  <p:cSld>
+    <p:spTree>
+      <p:nvGrpSpPr>
+        <p:cNvPr id="1" name=""/>
+        <p:cNvGrpSpPr/>
+        <p:nvPr/>
+      </p:nvGrpSpPr>
+      <p:grpSpPr>
+        <a:xfrm>
+          <a:off x="0" y="0"/>
+          <a:ext cx="0" cy="0"/>
+          <a:chOff x="0" y="0"/>
+          <a:chExt cx="0" cy="0"/>
+        </a:xfrm>
+      </p:grpSpPr>
+      <p:sp>
+        <p:nvSpPr>
+          <p:cNvPr id="2" name="Title 1"/>
+          <p:cNvSpPr>
+            <a:spLocks noGrp="1"/>
+          </p:cNvSpPr>
+          <p:nvPr>
+            <p:ph type="title"/>
+          </p:nvPr>
+        </p:nvSpPr>
+        <p:spPr/>
+        <p:txBody>
+          <a:bodyPr/>
+          <a:lstStyle/>
+          <a:p>
+            <a:r>
+              <a:rPr lang="en-AU" dirty="0" smtClean="0"/>
+              <a:t>Latest Work</a:t>
+            </a:r>
+            <a:endParaRPr lang="en-AU" dirty="0"/>
+          </a:p>
+        </p:txBody>
+      </p:sp>
+      <p:sp>
+        <p:nvSpPr>
+          <p:cNvPr id="3" name="Content Placeholder 2"/>
+          <p:cNvSpPr>
+            <a:spLocks noGrp="1"/>
+          </p:cNvSpPr>
+          <p:nvPr>
+            <p:ph idx="1"/>
+          </p:nvPr>
+        </p:nvSpPr>
+        <p:spPr/>
+        <p:txBody>
+          <a:bodyPr/>
+          <a:lstStyle/>
+          <a:p>
+            <a:pPr marL="0" indent="0">
+              <a:buNone/>
+            </a:pPr>
+            <a:r>
+              <a:rPr lang="en-AU" dirty="0" smtClean="0"/>
+              <a:t>http://insuranceline.com.au</a:t>
+            </a:r>
+          </a:p>
+          <a:p>
+            <a:endParaRPr lang="en-AU" dirty="0"/>
+          </a:p>
+        </p:txBody>
+      </p:sp>
+      <p:pic>
+        <p:nvPicPr>
+          <p:cNvPr id="2050" name="Picture 2"/>
+          <p:cNvPicPr>
+            <a:picLocks noChangeAspect="1" noChangeArrowheads="1"/>
+          </p:cNvPicPr>
+          <p:nvPr/>
+        </p:nvPicPr>
+        <p:blipFill>
+          <a:blip r:embed="rId2">
+            <a:extLst>
+              <a:ext uri="{28A0092B-C50C-407E-A947-70E740481C1C}">
+                <a14:useLocalDpi xmlns:a14="http://schemas.microsoft.com/office/drawing/2010/main" val="0"/>
+              </a:ext>
+            </a:extLst>
+          </a:blip>
+          <a:srcRect/>
+          <a:stretch>
+            <a:fillRect/>
+          </a:stretch>
+        </p:blipFill>
+        <p:spPr bwMode="auto">
+          <a:xfrm>
+            <a:off x="587829" y="2667000"/>
+            <a:ext cx="5226242" cy="3367925"/>
+          </a:xfrm>
+          <a:prstGeom prst="rect">
+            <a:avLst/>
+          </a:prstGeom>
+          <a:noFill/>
+          <a:ln>
+            <a:noFill/>
+          </a:ln>
+          <a:extLst>
+            <a:ext uri="{909E8E84-426E-40DD-AFC4-6F175D3DCCD1}">
+              <a14:hiddenFill xmlns:a14="http://schemas.microsoft.com/office/drawing/2010/main">
+                <a:solidFill>
+                  <a:schemeClr val="accent1"/>
+                </a:solidFill>
+              </a14:hiddenFill>
+            </a:ext>
+            <a:ext uri="{91240B29-F687-4F45-9708-019B960494DF}">
+              <a14:hiddenLine xmlns:a14="http://schemas.microsoft.com/office/drawing/2010/main" w="9525">
+                <a:solidFill>
+                  <a:schemeClr val="tx1"/>
+                </a:solidFill>
+                <a:miter lim="800000"/>
+                <a:headEnd/>
+                <a:tailEnd/>
+              </a14:hiddenLine>
+            </a:ext>
+          </a:extLst>
+        </p:spPr>
+      </p:pic>
+      <p:pic>
+        <p:nvPicPr>
+          <p:cNvPr id="2051" name="Picture 3"/>
+          <p:cNvPicPr>
+            <a:picLocks noChangeAspect="1" noChangeArrowheads="1"/>
+          </p:cNvPicPr>
+          <p:nvPr/>
+        </p:nvPicPr>
+        <p:blipFill>
+          <a:blip r:embed="rId3">
+            <a:extLst>
+              <a:ext uri="{28A0092B-C50C-407E-A947-70E740481C1C}">
+                <a14:useLocalDpi xmlns:a14="http://schemas.microsoft.com/office/drawing/2010/main" val="0"/>
+              </a:ext>
+            </a:extLst>
+          </a:blip>
+          <a:srcRect/>
+          <a:stretch>
+            <a:fillRect/>
+          </a:stretch>
+        </p:blipFill>
+        <p:spPr bwMode="auto">
+          <a:xfrm>
+            <a:off x="6248400" y="2667000"/>
+            <a:ext cx="2461167" cy="3229393"/>
+          </a:xfrm>
+          <a:prstGeom prst="rect">
+            <a:avLst/>
+          </a:prstGeom>
+          <a:noFill/>
+          <a:ln>
+            <a:noFill/>
+          </a:ln>
+          <a:extLst>
+            <a:ext uri="{909E8E84-426E-40DD-AFC4-6F175D3DCCD1}">
+              <a14:hiddenFill xmlns:a14="http://schemas.microsoft.com/office/drawing/2010/main">
+                <a:solidFill>
+                  <a:schemeClr val="accent1"/>
+                </a:solidFill>
+              </a14:hiddenFill>
+            </a:ext>
+            <a:ext uri="{91240B29-F687-4F45-9708-019B960494DF}">
+              <a14:hiddenLine xmlns:a14="http://schemas.microsoft.com/office/drawing/2010/main" w="9525">
+                <a:solidFill>
+                  <a:schemeClr val="tx1"/>
+                </a:solidFill>
+                <a:miter lim="800000"/>
+                <a:headEnd/>
+                <a:tailEnd/>
+              </a14:hiddenLine>
+            </a:ext>
+          </a:extLst>
+        </p:spPr>
+      </p:pic>
+    </p:spTree>
+    <p:extLst>
+      <p:ext uri="{BB962C8B-B14F-4D97-AF65-F5344CB8AC3E}">
+        <p14:creationId xmlns:p14="http://schemas.microsoft.com/office/powerpoint/2010/main" val="1364833934"/>
       </p:ext>
     </p:extLst>
   </p:cSld>

--- a/Introduction.pptx
+++ b/Introduction.pptx
@@ -293,7 +293,7 @@
             <a:fld id="{1D8BD707-D9CF-40AE-B4C6-C98DA3205C09}" type="datetimeFigureOut">
               <a:rPr lang="en-US" smtClean="0"/>
               <a:pPr/>
-              <a:t>4/8/2015</a:t>
+              <a:t>4/14/2015</a:t>
             </a:fld>
             <a:endParaRPr lang="en-US"/>
           </a:p>
@@ -460,7 +460,7 @@
             <a:fld id="{1D8BD707-D9CF-40AE-B4C6-C98DA3205C09}" type="datetimeFigureOut">
               <a:rPr lang="en-US" smtClean="0"/>
               <a:pPr/>
-              <a:t>4/8/2015</a:t>
+              <a:t>4/14/2015</a:t>
             </a:fld>
             <a:endParaRPr lang="en-US"/>
           </a:p>
@@ -637,7 +637,7 @@
             <a:fld id="{1D8BD707-D9CF-40AE-B4C6-C98DA3205C09}" type="datetimeFigureOut">
               <a:rPr lang="en-US" smtClean="0"/>
               <a:pPr/>
-              <a:t>4/8/2015</a:t>
+              <a:t>4/14/2015</a:t>
             </a:fld>
             <a:endParaRPr lang="en-US"/>
           </a:p>
@@ -804,7 +804,7 @@
             <a:fld id="{1D8BD707-D9CF-40AE-B4C6-C98DA3205C09}" type="datetimeFigureOut">
               <a:rPr lang="en-US" smtClean="0"/>
               <a:pPr/>
-              <a:t>4/8/2015</a:t>
+              <a:t>4/14/2015</a:t>
             </a:fld>
             <a:endParaRPr lang="en-US"/>
           </a:p>
@@ -1047,7 +1047,7 @@
             <a:fld id="{1D8BD707-D9CF-40AE-B4C6-C98DA3205C09}" type="datetimeFigureOut">
               <a:rPr lang="en-US" smtClean="0"/>
               <a:pPr/>
-              <a:t>4/8/2015</a:t>
+              <a:t>4/14/2015</a:t>
             </a:fld>
             <a:endParaRPr lang="en-US"/>
           </a:p>
@@ -1332,7 +1332,7 @@
             <a:fld id="{1D8BD707-D9CF-40AE-B4C6-C98DA3205C09}" type="datetimeFigureOut">
               <a:rPr lang="en-US" smtClean="0"/>
               <a:pPr/>
-              <a:t>4/8/2015</a:t>
+              <a:t>4/14/2015</a:t>
             </a:fld>
             <a:endParaRPr lang="en-US"/>
           </a:p>
@@ -1751,7 +1751,7 @@
             <a:fld id="{1D8BD707-D9CF-40AE-B4C6-C98DA3205C09}" type="datetimeFigureOut">
               <a:rPr lang="en-US" smtClean="0"/>
               <a:pPr/>
-              <a:t>4/8/2015</a:t>
+              <a:t>4/14/2015</a:t>
             </a:fld>
             <a:endParaRPr lang="en-US"/>
           </a:p>
@@ -1866,7 +1866,7 @@
             <a:fld id="{1D8BD707-D9CF-40AE-B4C6-C98DA3205C09}" type="datetimeFigureOut">
               <a:rPr lang="en-US" smtClean="0"/>
               <a:pPr/>
-              <a:t>4/8/2015</a:t>
+              <a:t>4/14/2015</a:t>
             </a:fld>
             <a:endParaRPr lang="en-US"/>
           </a:p>
@@ -1958,7 +1958,7 @@
             <a:fld id="{1D8BD707-D9CF-40AE-B4C6-C98DA3205C09}" type="datetimeFigureOut">
               <a:rPr lang="en-US" smtClean="0"/>
               <a:pPr/>
-              <a:t>4/8/2015</a:t>
+              <a:t>4/14/2015</a:t>
             </a:fld>
             <a:endParaRPr lang="en-US"/>
           </a:p>
@@ -2232,7 +2232,7 @@
             <a:fld id="{1D8BD707-D9CF-40AE-B4C6-C98DA3205C09}" type="datetimeFigureOut">
               <a:rPr lang="en-US" smtClean="0"/>
               <a:pPr/>
-              <a:t>4/8/2015</a:t>
+              <a:t>4/14/2015</a:t>
             </a:fld>
             <a:endParaRPr lang="en-US"/>
           </a:p>
@@ -2482,7 +2482,7 @@
             <a:fld id="{1D8BD707-D9CF-40AE-B4C6-C98DA3205C09}" type="datetimeFigureOut">
               <a:rPr lang="en-US" smtClean="0"/>
               <a:pPr/>
-              <a:t>4/8/2015</a:t>
+              <a:t>4/14/2015</a:t>
             </a:fld>
             <a:endParaRPr lang="en-US"/>
           </a:p>
@@ -2692,7 +2692,7 @@
             <a:fld id="{1D8BD707-D9CF-40AE-B4C6-C98DA3205C09}" type="datetimeFigureOut">
               <a:rPr lang="en-US" smtClean="0"/>
               <a:pPr/>
-              <a:t>4/8/2015</a:t>
+              <a:t>4/14/2015</a:t>
             </a:fld>
             <a:endParaRPr lang="en-US"/>
           </a:p>
@@ -3201,6 +3201,21 @@
               <a:rPr lang="en-AU" dirty="0" smtClean="0"/>
               <a:t>Michael</a:t>
             </a:r>
+          </a:p>
+          <a:p>
+            <a:pPr lvl="1"/>
+            <a:r>
+              <a:rPr lang="en-AU" dirty="0" smtClean="0"/>
+              <a:t>Developer</a:t>
+            </a:r>
+          </a:p>
+          <a:p>
+            <a:pPr lvl="1"/>
+            <a:r>
+              <a:rPr lang="en-AU" dirty="0" smtClean="0"/>
+              <a:t>8 years experience in Melbourne including Human Resources, Talent Management and Insurance</a:t>
+            </a:r>
+            <a:endParaRPr lang="en-AU" dirty="0" smtClean="0"/>
           </a:p>
         </p:txBody>
       </p:sp>
